--- a/Glass Identification Presentation.pptx
+++ b/Glass Identification Presentation.pptx
@@ -118,6 +118,11 @@
       </a:defRPr>
     </a:lvl9pPr>
   </p:defaultTextStyle>
+  <p:extLst>
+    <p:ext uri="{EFAFB233-063F-42B5-8137-9DF3F51BA10A}">
+      <p15:sldGuideLst xmlns:p15="http://schemas.microsoft.com/office/powerpoint/2012/main"/>
+    </p:ext>
+  </p:extLst>
 </p:presentation>
 </file>
 
@@ -203,7 +208,7 @@
           <a:p>
             <a:fld id="{3BB13B85-3BDD-446A-A6E6-B8478D97FA18}" type="datetimeFigureOut">
               <a:rPr lang="en-US" smtClean="0"/>
-              <a:t>12/2/2021</a:t>
+              <a:t>12/3/2021</a:t>
             </a:fld>
             <a:endParaRPr lang="en-US"/>
           </a:p>
@@ -1089,7 +1094,7 @@
           <a:p>
             <a:fld id="{0DAF61AA-5A98-4049-A93E-477E5505141A}" type="datetimeFigureOut">
               <a:rPr lang="en-US" smtClean="0"/>
-              <a:t>12/2/2021</a:t>
+              <a:t>12/3/2021</a:t>
             </a:fld>
             <a:endParaRPr lang="en-US" dirty="0"/>
           </a:p>
@@ -1287,7 +1292,7 @@
           <a:p>
             <a:fld id="{0DAF61AA-5A98-4049-A93E-477E5505141A}" type="datetimeFigureOut">
               <a:rPr lang="en-US" smtClean="0"/>
-              <a:t>12/2/2021</a:t>
+              <a:t>12/3/2021</a:t>
             </a:fld>
             <a:endParaRPr lang="en-US"/>
           </a:p>
@@ -1495,7 +1500,7 @@
           <a:p>
             <a:fld id="{0DAF61AA-5A98-4049-A93E-477E5505141A}" type="datetimeFigureOut">
               <a:rPr lang="en-US" smtClean="0"/>
-              <a:t>12/2/2021</a:t>
+              <a:t>12/3/2021</a:t>
             </a:fld>
             <a:endParaRPr lang="en-US"/>
           </a:p>
@@ -1693,7 +1698,7 @@
           <a:p>
             <a:fld id="{0DAF61AA-5A98-4049-A93E-477E5505141A}" type="datetimeFigureOut">
               <a:rPr lang="en-US" smtClean="0"/>
-              <a:t>12/2/2021</a:t>
+              <a:t>12/3/2021</a:t>
             </a:fld>
             <a:endParaRPr lang="en-US"/>
           </a:p>
@@ -1968,7 +1973,7 @@
           <a:p>
             <a:fld id="{0DAF61AA-5A98-4049-A93E-477E5505141A}" type="datetimeFigureOut">
               <a:rPr lang="en-US" smtClean="0"/>
-              <a:t>12/2/2021</a:t>
+              <a:t>12/3/2021</a:t>
             </a:fld>
             <a:endParaRPr lang="en-US"/>
           </a:p>
@@ -2233,7 +2238,7 @@
           <a:p>
             <a:fld id="{0DAF61AA-5A98-4049-A93E-477E5505141A}" type="datetimeFigureOut">
               <a:rPr lang="en-US" smtClean="0"/>
-              <a:t>12/2/2021</a:t>
+              <a:t>12/3/2021</a:t>
             </a:fld>
             <a:endParaRPr lang="en-US"/>
           </a:p>
@@ -2645,7 +2650,7 @@
           <a:p>
             <a:fld id="{0DAF61AA-5A98-4049-A93E-477E5505141A}" type="datetimeFigureOut">
               <a:rPr lang="en-US" smtClean="0"/>
-              <a:t>12/2/2021</a:t>
+              <a:t>12/3/2021</a:t>
             </a:fld>
             <a:endParaRPr lang="en-US"/>
           </a:p>
@@ -2786,7 +2791,7 @@
           <a:p>
             <a:fld id="{0DAF61AA-5A98-4049-A93E-477E5505141A}" type="datetimeFigureOut">
               <a:rPr lang="en-US" smtClean="0"/>
-              <a:t>12/2/2021</a:t>
+              <a:t>12/3/2021</a:t>
             </a:fld>
             <a:endParaRPr lang="en-US"/>
           </a:p>
@@ -2899,7 +2904,7 @@
           <a:p>
             <a:fld id="{0DAF61AA-5A98-4049-A93E-477E5505141A}" type="datetimeFigureOut">
               <a:rPr lang="en-US" smtClean="0"/>
-              <a:t>12/2/2021</a:t>
+              <a:t>12/3/2021</a:t>
             </a:fld>
             <a:endParaRPr lang="en-US"/>
           </a:p>
@@ -3210,7 +3215,7 @@
           <a:p>
             <a:fld id="{0DAF61AA-5A98-4049-A93E-477E5505141A}" type="datetimeFigureOut">
               <a:rPr lang="en-US" smtClean="0"/>
-              <a:t>12/2/2021</a:t>
+              <a:t>12/3/2021</a:t>
             </a:fld>
             <a:endParaRPr lang="en-US"/>
           </a:p>
@@ -3501,7 +3506,7 @@
           <a:p>
             <a:fld id="{0DAF61AA-5A98-4049-A93E-477E5505141A}" type="datetimeFigureOut">
               <a:rPr lang="en-US" smtClean="0"/>
-              <a:t>12/2/2021</a:t>
+              <a:t>12/3/2021</a:t>
             </a:fld>
             <a:endParaRPr lang="en-US"/>
           </a:p>
@@ -7189,7 +7194,7 @@
             <a:fld id="{0DAF61AA-5A98-4049-A93E-477E5505141A}" type="datetimeFigureOut">
               <a:rPr lang="en-US" smtClean="0"/>
               <a:pPr/>
-              <a:t>12/2/2021</a:t>
+              <a:t>12/3/2021</a:t>
             </a:fld>
             <a:endParaRPr lang="en-US" dirty="0"/>
           </a:p>
@@ -11595,6 +11600,18 @@
   <p:clrMapOvr>
     <a:masterClrMapping/>
   </p:clrMapOvr>
+  <mc:AlternateContent xmlns:mc="http://schemas.openxmlformats.org/markup-compatibility/2006">
+    <mc:Choice xmlns:p14="http://schemas.microsoft.com/office/powerpoint/2010/main" Requires="p14">
+      <p:transition spd="med" p14:dur="700">
+        <p:fade/>
+      </p:transition>
+    </mc:Choice>
+    <mc:Fallback>
+      <p:transition spd="med">
+        <p:fade/>
+      </p:transition>
+    </mc:Fallback>
+  </mc:AlternateContent>
 </p:sld>
 </file>
 
@@ -11908,6 +11925,18 @@
   <p:clrMapOvr>
     <a:masterClrMapping/>
   </p:clrMapOvr>
+  <mc:AlternateContent xmlns:mc="http://schemas.openxmlformats.org/markup-compatibility/2006">
+    <mc:Choice xmlns:p14="http://schemas.microsoft.com/office/powerpoint/2010/main" Requires="p14">
+      <p:transition spd="med" p14:dur="700">
+        <p:fade/>
+      </p:transition>
+    </mc:Choice>
+    <mc:Fallback>
+      <p:transition spd="med">
+        <p:fade/>
+      </p:transition>
+    </mc:Fallback>
+  </mc:AlternateContent>
 </p:sld>
 </file>
 

--- a/Glass Identification Presentation.pptx
+++ b/Glass Identification Presentation.pptx
@@ -11600,18 +11600,9 @@
   <p:clrMapOvr>
     <a:masterClrMapping/>
   </p:clrMapOvr>
-  <mc:AlternateContent xmlns:mc="http://schemas.openxmlformats.org/markup-compatibility/2006">
-    <mc:Choice xmlns:p14="http://schemas.microsoft.com/office/powerpoint/2010/main" Requires="p14">
-      <p:transition spd="med" p14:dur="700">
-        <p:fade/>
-      </p:transition>
-    </mc:Choice>
-    <mc:Fallback>
-      <p:transition spd="med">
-        <p:fade/>
-      </p:transition>
-    </mc:Fallback>
-  </mc:AlternateContent>
+  <p:transition>
+    <p:fade/>
+  </p:transition>
 </p:sld>
 </file>
 
@@ -11925,18 +11916,9 @@
   <p:clrMapOvr>
     <a:masterClrMapping/>
   </p:clrMapOvr>
-  <mc:AlternateContent xmlns:mc="http://schemas.openxmlformats.org/markup-compatibility/2006">
-    <mc:Choice xmlns:p14="http://schemas.microsoft.com/office/powerpoint/2010/main" Requires="p14">
-      <p:transition spd="med" p14:dur="700">
-        <p:fade/>
-      </p:transition>
-    </mc:Choice>
-    <mc:Fallback>
-      <p:transition spd="med">
-        <p:fade/>
-      </p:transition>
-    </mc:Fallback>
-  </mc:AlternateContent>
+  <p:transition>
+    <p:fade/>
+  </p:transition>
 </p:sld>
 </file>
 
